--- a/이예은_김지혜_중간발표.pptx
+++ b/이예은_김지혜_중간발표.pptx
@@ -198,7 +198,7 @@
           <a:p>
             <a:fld id="{D8FBE07C-5456-4FE3-B0FB-121C60BCC8D8}" type="datetimeFigureOut">
               <a:rPr lang="ko-KR" altLang="en-US" smtClean="0"/>
-              <a:t>2019-05-27</a:t>
+              <a:t>2019-05-29</a:t>
             </a:fld>
             <a:endParaRPr lang="ko-KR" altLang="en-US"/>
           </a:p>
@@ -487,7 +487,7 @@
           <p:cNvPr id="2" name="제목 1">
             <a:extLst>
               <a:ext uri="{FF2B5EF4-FFF2-40B4-BE49-F238E27FC236}">
-                <a16:creationId xmlns:a16="http://schemas.microsoft.com/office/drawing/2014/main" xmlns="" id="{D6B959D5-E376-40C1-A155-818C36ADDD35}"/>
+                <a16:creationId xmlns="" xmlns:a16="http://schemas.microsoft.com/office/drawing/2014/main" id="{D6B959D5-E376-40C1-A155-818C36ADDD35}"/>
               </a:ext>
             </a:extLst>
           </p:cNvPr>
@@ -524,7 +524,7 @@
           <p:cNvPr id="3" name="부제목 2">
             <a:extLst>
               <a:ext uri="{FF2B5EF4-FFF2-40B4-BE49-F238E27FC236}">
-                <a16:creationId xmlns:a16="http://schemas.microsoft.com/office/drawing/2014/main" xmlns="" id="{97645822-C7A5-4397-A266-E0E8A5765C46}"/>
+                <a16:creationId xmlns="" xmlns:a16="http://schemas.microsoft.com/office/drawing/2014/main" id="{97645822-C7A5-4397-A266-E0E8A5765C46}"/>
               </a:ext>
             </a:extLst>
           </p:cNvPr>
@@ -594,7 +594,7 @@
           <p:cNvPr id="4" name="날짜 개체 틀 3">
             <a:extLst>
               <a:ext uri="{FF2B5EF4-FFF2-40B4-BE49-F238E27FC236}">
-                <a16:creationId xmlns:a16="http://schemas.microsoft.com/office/drawing/2014/main" xmlns="" id="{4962E88D-2C37-483A-B77F-DEB71852EA2A}"/>
+                <a16:creationId xmlns="" xmlns:a16="http://schemas.microsoft.com/office/drawing/2014/main" id="{4962E88D-2C37-483A-B77F-DEB71852EA2A}"/>
               </a:ext>
             </a:extLst>
           </p:cNvPr>
@@ -612,7 +612,7 @@
           <a:p>
             <a:fld id="{EA1D0F14-F0EE-47F1-8485-631A311C4114}" type="datetimeFigureOut">
               <a:rPr lang="ko-KR" altLang="en-US" smtClean="0"/>
-              <a:t>2019-05-27</a:t>
+              <a:t>2019-05-29</a:t>
             </a:fld>
             <a:endParaRPr lang="ko-KR" altLang="en-US"/>
           </a:p>
@@ -623,7 +623,7 @@
           <p:cNvPr id="5" name="바닥글 개체 틀 4">
             <a:extLst>
               <a:ext uri="{FF2B5EF4-FFF2-40B4-BE49-F238E27FC236}">
-                <a16:creationId xmlns:a16="http://schemas.microsoft.com/office/drawing/2014/main" xmlns="" id="{1DE9E643-E72B-4DE3-AED8-1112F5A08399}"/>
+                <a16:creationId xmlns="" xmlns:a16="http://schemas.microsoft.com/office/drawing/2014/main" id="{1DE9E643-E72B-4DE3-AED8-1112F5A08399}"/>
               </a:ext>
             </a:extLst>
           </p:cNvPr>
@@ -648,7 +648,7 @@
           <p:cNvPr id="6" name="슬라이드 번호 개체 틀 5">
             <a:extLst>
               <a:ext uri="{FF2B5EF4-FFF2-40B4-BE49-F238E27FC236}">
-                <a16:creationId xmlns:a16="http://schemas.microsoft.com/office/drawing/2014/main" xmlns="" id="{5F5539E5-9481-41A2-8E1D-F7ED02B036BE}"/>
+                <a16:creationId xmlns="" xmlns:a16="http://schemas.microsoft.com/office/drawing/2014/main" id="{5F5539E5-9481-41A2-8E1D-F7ED02B036BE}"/>
               </a:ext>
             </a:extLst>
           </p:cNvPr>
@@ -707,7 +707,7 @@
           <p:cNvPr id="2" name="제목 1">
             <a:extLst>
               <a:ext uri="{FF2B5EF4-FFF2-40B4-BE49-F238E27FC236}">
-                <a16:creationId xmlns:a16="http://schemas.microsoft.com/office/drawing/2014/main" xmlns="" id="{B20D2727-530F-4710-BFFB-0B4791074E40}"/>
+                <a16:creationId xmlns="" xmlns:a16="http://schemas.microsoft.com/office/drawing/2014/main" id="{B20D2727-530F-4710-BFFB-0B4791074E40}"/>
               </a:ext>
             </a:extLst>
           </p:cNvPr>
@@ -735,7 +735,7 @@
           <p:cNvPr id="3" name="세로 텍스트 개체 틀 2">
             <a:extLst>
               <a:ext uri="{FF2B5EF4-FFF2-40B4-BE49-F238E27FC236}">
-                <a16:creationId xmlns:a16="http://schemas.microsoft.com/office/drawing/2014/main" xmlns="" id="{FB72BAC7-5888-491B-A4B6-8EEBA24657B5}"/>
+                <a16:creationId xmlns="" xmlns:a16="http://schemas.microsoft.com/office/drawing/2014/main" id="{FB72BAC7-5888-491B-A4B6-8EEBA24657B5}"/>
               </a:ext>
             </a:extLst>
           </p:cNvPr>
@@ -792,7 +792,7 @@
           <p:cNvPr id="4" name="날짜 개체 틀 3">
             <a:extLst>
               <a:ext uri="{FF2B5EF4-FFF2-40B4-BE49-F238E27FC236}">
-                <a16:creationId xmlns:a16="http://schemas.microsoft.com/office/drawing/2014/main" xmlns="" id="{C6368219-B761-41F7-8DE9-68231D53E4C2}"/>
+                <a16:creationId xmlns="" xmlns:a16="http://schemas.microsoft.com/office/drawing/2014/main" id="{C6368219-B761-41F7-8DE9-68231D53E4C2}"/>
               </a:ext>
             </a:extLst>
           </p:cNvPr>
@@ -810,7 +810,7 @@
           <a:p>
             <a:fld id="{EA1D0F14-F0EE-47F1-8485-631A311C4114}" type="datetimeFigureOut">
               <a:rPr lang="ko-KR" altLang="en-US" smtClean="0"/>
-              <a:t>2019-05-27</a:t>
+              <a:t>2019-05-29</a:t>
             </a:fld>
             <a:endParaRPr lang="ko-KR" altLang="en-US"/>
           </a:p>
@@ -821,7 +821,7 @@
           <p:cNvPr id="5" name="바닥글 개체 틀 4">
             <a:extLst>
               <a:ext uri="{FF2B5EF4-FFF2-40B4-BE49-F238E27FC236}">
-                <a16:creationId xmlns:a16="http://schemas.microsoft.com/office/drawing/2014/main" xmlns="" id="{DD0215ED-8AC0-4647-B42B-ABCE9AF8D36B}"/>
+                <a16:creationId xmlns="" xmlns:a16="http://schemas.microsoft.com/office/drawing/2014/main" id="{DD0215ED-8AC0-4647-B42B-ABCE9AF8D36B}"/>
               </a:ext>
             </a:extLst>
           </p:cNvPr>
@@ -846,7 +846,7 @@
           <p:cNvPr id="6" name="슬라이드 번호 개체 틀 5">
             <a:extLst>
               <a:ext uri="{FF2B5EF4-FFF2-40B4-BE49-F238E27FC236}">
-                <a16:creationId xmlns:a16="http://schemas.microsoft.com/office/drawing/2014/main" xmlns="" id="{B55B78B4-8A33-4501-B1CB-C22E1FA7B510}"/>
+                <a16:creationId xmlns="" xmlns:a16="http://schemas.microsoft.com/office/drawing/2014/main" id="{B55B78B4-8A33-4501-B1CB-C22E1FA7B510}"/>
               </a:ext>
             </a:extLst>
           </p:cNvPr>
@@ -905,7 +905,7 @@
           <p:cNvPr id="2" name="세로 제목 1">
             <a:extLst>
               <a:ext uri="{FF2B5EF4-FFF2-40B4-BE49-F238E27FC236}">
-                <a16:creationId xmlns:a16="http://schemas.microsoft.com/office/drawing/2014/main" xmlns="" id="{4D876EA1-3944-4A1C-9AC2-63434F3AFB03}"/>
+                <a16:creationId xmlns="" xmlns:a16="http://schemas.microsoft.com/office/drawing/2014/main" id="{4D876EA1-3944-4A1C-9AC2-63434F3AFB03}"/>
               </a:ext>
             </a:extLst>
           </p:cNvPr>
@@ -938,7 +938,7 @@
           <p:cNvPr id="3" name="세로 텍스트 개체 틀 2">
             <a:extLst>
               <a:ext uri="{FF2B5EF4-FFF2-40B4-BE49-F238E27FC236}">
-                <a16:creationId xmlns:a16="http://schemas.microsoft.com/office/drawing/2014/main" xmlns="" id="{078055FC-16BD-4E77-AD18-AABBBB15BECD}"/>
+                <a16:creationId xmlns="" xmlns:a16="http://schemas.microsoft.com/office/drawing/2014/main" id="{078055FC-16BD-4E77-AD18-AABBBB15BECD}"/>
               </a:ext>
             </a:extLst>
           </p:cNvPr>
@@ -1000,7 +1000,7 @@
           <p:cNvPr id="4" name="날짜 개체 틀 3">
             <a:extLst>
               <a:ext uri="{FF2B5EF4-FFF2-40B4-BE49-F238E27FC236}">
-                <a16:creationId xmlns:a16="http://schemas.microsoft.com/office/drawing/2014/main" xmlns="" id="{B6FDD0E7-0DEB-4F1C-BFBE-81CCAD46F84C}"/>
+                <a16:creationId xmlns="" xmlns:a16="http://schemas.microsoft.com/office/drawing/2014/main" id="{B6FDD0E7-0DEB-4F1C-BFBE-81CCAD46F84C}"/>
               </a:ext>
             </a:extLst>
           </p:cNvPr>
@@ -1018,7 +1018,7 @@
           <a:p>
             <a:fld id="{EA1D0F14-F0EE-47F1-8485-631A311C4114}" type="datetimeFigureOut">
               <a:rPr lang="ko-KR" altLang="en-US" smtClean="0"/>
-              <a:t>2019-05-27</a:t>
+              <a:t>2019-05-29</a:t>
             </a:fld>
             <a:endParaRPr lang="ko-KR" altLang="en-US"/>
           </a:p>
@@ -1029,7 +1029,7 @@
           <p:cNvPr id="5" name="바닥글 개체 틀 4">
             <a:extLst>
               <a:ext uri="{FF2B5EF4-FFF2-40B4-BE49-F238E27FC236}">
-                <a16:creationId xmlns:a16="http://schemas.microsoft.com/office/drawing/2014/main" xmlns="" id="{60211371-D1CD-4A2C-834F-1BF7DEBA4F0C}"/>
+                <a16:creationId xmlns="" xmlns:a16="http://schemas.microsoft.com/office/drawing/2014/main" id="{60211371-D1CD-4A2C-834F-1BF7DEBA4F0C}"/>
               </a:ext>
             </a:extLst>
           </p:cNvPr>
@@ -1054,7 +1054,7 @@
           <p:cNvPr id="6" name="슬라이드 번호 개체 틀 5">
             <a:extLst>
               <a:ext uri="{FF2B5EF4-FFF2-40B4-BE49-F238E27FC236}">
-                <a16:creationId xmlns:a16="http://schemas.microsoft.com/office/drawing/2014/main" xmlns="" id="{9DD97CEF-856A-450C-9B9C-143B8666237C}"/>
+                <a16:creationId xmlns="" xmlns:a16="http://schemas.microsoft.com/office/drawing/2014/main" id="{9DD97CEF-856A-450C-9B9C-143B8666237C}"/>
               </a:ext>
             </a:extLst>
           </p:cNvPr>
@@ -1113,7 +1113,7 @@
           <p:cNvPr id="2" name="제목 1">
             <a:extLst>
               <a:ext uri="{FF2B5EF4-FFF2-40B4-BE49-F238E27FC236}">
-                <a16:creationId xmlns:a16="http://schemas.microsoft.com/office/drawing/2014/main" xmlns="" id="{EF5195D1-3F21-456A-9804-3C0ECDE72CA7}"/>
+                <a16:creationId xmlns="" xmlns:a16="http://schemas.microsoft.com/office/drawing/2014/main" id="{EF5195D1-3F21-456A-9804-3C0ECDE72CA7}"/>
               </a:ext>
             </a:extLst>
           </p:cNvPr>
@@ -1141,7 +1141,7 @@
           <p:cNvPr id="3" name="내용 개체 틀 2">
             <a:extLst>
               <a:ext uri="{FF2B5EF4-FFF2-40B4-BE49-F238E27FC236}">
-                <a16:creationId xmlns:a16="http://schemas.microsoft.com/office/drawing/2014/main" xmlns="" id="{70D67719-B2B7-4772-A78F-4ECD111281CB}"/>
+                <a16:creationId xmlns="" xmlns:a16="http://schemas.microsoft.com/office/drawing/2014/main" id="{70D67719-B2B7-4772-A78F-4ECD111281CB}"/>
               </a:ext>
             </a:extLst>
           </p:cNvPr>
@@ -1198,7 +1198,7 @@
           <p:cNvPr id="4" name="날짜 개체 틀 3">
             <a:extLst>
               <a:ext uri="{FF2B5EF4-FFF2-40B4-BE49-F238E27FC236}">
-                <a16:creationId xmlns:a16="http://schemas.microsoft.com/office/drawing/2014/main" xmlns="" id="{AB0C2551-7BE3-4709-91D8-9CA94FC2821B}"/>
+                <a16:creationId xmlns="" xmlns:a16="http://schemas.microsoft.com/office/drawing/2014/main" id="{AB0C2551-7BE3-4709-91D8-9CA94FC2821B}"/>
               </a:ext>
             </a:extLst>
           </p:cNvPr>
@@ -1216,7 +1216,7 @@
           <a:p>
             <a:fld id="{EA1D0F14-F0EE-47F1-8485-631A311C4114}" type="datetimeFigureOut">
               <a:rPr lang="ko-KR" altLang="en-US" smtClean="0"/>
-              <a:t>2019-05-27</a:t>
+              <a:t>2019-05-29</a:t>
             </a:fld>
             <a:endParaRPr lang="ko-KR" altLang="en-US"/>
           </a:p>
@@ -1227,7 +1227,7 @@
           <p:cNvPr id="5" name="바닥글 개체 틀 4">
             <a:extLst>
               <a:ext uri="{FF2B5EF4-FFF2-40B4-BE49-F238E27FC236}">
-                <a16:creationId xmlns:a16="http://schemas.microsoft.com/office/drawing/2014/main" xmlns="" id="{834EA38B-F904-4AAB-9DB2-FD8E2EAFFE0B}"/>
+                <a16:creationId xmlns="" xmlns:a16="http://schemas.microsoft.com/office/drawing/2014/main" id="{834EA38B-F904-4AAB-9DB2-FD8E2EAFFE0B}"/>
               </a:ext>
             </a:extLst>
           </p:cNvPr>
@@ -1252,7 +1252,7 @@
           <p:cNvPr id="6" name="슬라이드 번호 개체 틀 5">
             <a:extLst>
               <a:ext uri="{FF2B5EF4-FFF2-40B4-BE49-F238E27FC236}">
-                <a16:creationId xmlns:a16="http://schemas.microsoft.com/office/drawing/2014/main" xmlns="" id="{0C91DF5E-08D7-472B-873B-C333CA331B1B}"/>
+                <a16:creationId xmlns="" xmlns:a16="http://schemas.microsoft.com/office/drawing/2014/main" id="{0C91DF5E-08D7-472B-873B-C333CA331B1B}"/>
               </a:ext>
             </a:extLst>
           </p:cNvPr>
@@ -1311,7 +1311,7 @@
           <p:cNvPr id="2" name="제목 1">
             <a:extLst>
               <a:ext uri="{FF2B5EF4-FFF2-40B4-BE49-F238E27FC236}">
-                <a16:creationId xmlns:a16="http://schemas.microsoft.com/office/drawing/2014/main" xmlns="" id="{18882E2D-EBA6-47C5-B569-07D8F96964AE}"/>
+                <a16:creationId xmlns="" xmlns:a16="http://schemas.microsoft.com/office/drawing/2014/main" id="{18882E2D-EBA6-47C5-B569-07D8F96964AE}"/>
               </a:ext>
             </a:extLst>
           </p:cNvPr>
@@ -1348,7 +1348,7 @@
           <p:cNvPr id="3" name="텍스트 개체 틀 2">
             <a:extLst>
               <a:ext uri="{FF2B5EF4-FFF2-40B4-BE49-F238E27FC236}">
-                <a16:creationId xmlns:a16="http://schemas.microsoft.com/office/drawing/2014/main" xmlns="" id="{95265FDB-D0D9-4BE0-80DF-FE7AC6AC8AF8}"/>
+                <a16:creationId xmlns="" xmlns:a16="http://schemas.microsoft.com/office/drawing/2014/main" id="{95265FDB-D0D9-4BE0-80DF-FE7AC6AC8AF8}"/>
               </a:ext>
             </a:extLst>
           </p:cNvPr>
@@ -1473,7 +1473,7 @@
           <p:cNvPr id="4" name="날짜 개체 틀 3">
             <a:extLst>
               <a:ext uri="{FF2B5EF4-FFF2-40B4-BE49-F238E27FC236}">
-                <a16:creationId xmlns:a16="http://schemas.microsoft.com/office/drawing/2014/main" xmlns="" id="{14C77D3F-E8B6-4028-9F27-1386A7FF3B43}"/>
+                <a16:creationId xmlns="" xmlns:a16="http://schemas.microsoft.com/office/drawing/2014/main" id="{14C77D3F-E8B6-4028-9F27-1386A7FF3B43}"/>
               </a:ext>
             </a:extLst>
           </p:cNvPr>
@@ -1491,7 +1491,7 @@
           <a:p>
             <a:fld id="{EA1D0F14-F0EE-47F1-8485-631A311C4114}" type="datetimeFigureOut">
               <a:rPr lang="ko-KR" altLang="en-US" smtClean="0"/>
-              <a:t>2019-05-27</a:t>
+              <a:t>2019-05-29</a:t>
             </a:fld>
             <a:endParaRPr lang="ko-KR" altLang="en-US"/>
           </a:p>
@@ -1502,7 +1502,7 @@
           <p:cNvPr id="5" name="바닥글 개체 틀 4">
             <a:extLst>
               <a:ext uri="{FF2B5EF4-FFF2-40B4-BE49-F238E27FC236}">
-                <a16:creationId xmlns:a16="http://schemas.microsoft.com/office/drawing/2014/main" xmlns="" id="{63F1CFFC-DC90-4720-898A-F12C3B4D0443}"/>
+                <a16:creationId xmlns="" xmlns:a16="http://schemas.microsoft.com/office/drawing/2014/main" id="{63F1CFFC-DC90-4720-898A-F12C3B4D0443}"/>
               </a:ext>
             </a:extLst>
           </p:cNvPr>
@@ -1527,7 +1527,7 @@
           <p:cNvPr id="6" name="슬라이드 번호 개체 틀 5">
             <a:extLst>
               <a:ext uri="{FF2B5EF4-FFF2-40B4-BE49-F238E27FC236}">
-                <a16:creationId xmlns:a16="http://schemas.microsoft.com/office/drawing/2014/main" xmlns="" id="{866A2B4E-21FE-4897-BE9E-3C51805C04DC}"/>
+                <a16:creationId xmlns="" xmlns:a16="http://schemas.microsoft.com/office/drawing/2014/main" id="{866A2B4E-21FE-4897-BE9E-3C51805C04DC}"/>
               </a:ext>
             </a:extLst>
           </p:cNvPr>
@@ -1586,7 +1586,7 @@
           <p:cNvPr id="2" name="제목 1">
             <a:extLst>
               <a:ext uri="{FF2B5EF4-FFF2-40B4-BE49-F238E27FC236}">
-                <a16:creationId xmlns:a16="http://schemas.microsoft.com/office/drawing/2014/main" xmlns="" id="{5940F588-F8D3-47CF-9588-DAF4B35879B6}"/>
+                <a16:creationId xmlns="" xmlns:a16="http://schemas.microsoft.com/office/drawing/2014/main" id="{5940F588-F8D3-47CF-9588-DAF4B35879B6}"/>
               </a:ext>
             </a:extLst>
           </p:cNvPr>
@@ -1614,7 +1614,7 @@
           <p:cNvPr id="3" name="내용 개체 틀 2">
             <a:extLst>
               <a:ext uri="{FF2B5EF4-FFF2-40B4-BE49-F238E27FC236}">
-                <a16:creationId xmlns:a16="http://schemas.microsoft.com/office/drawing/2014/main" xmlns="" id="{0D4ACFEB-EE5F-4316-A076-E49B4E244387}"/>
+                <a16:creationId xmlns="" xmlns:a16="http://schemas.microsoft.com/office/drawing/2014/main" id="{0D4ACFEB-EE5F-4316-A076-E49B4E244387}"/>
               </a:ext>
             </a:extLst>
           </p:cNvPr>
@@ -1676,7 +1676,7 @@
           <p:cNvPr id="4" name="내용 개체 틀 3">
             <a:extLst>
               <a:ext uri="{FF2B5EF4-FFF2-40B4-BE49-F238E27FC236}">
-                <a16:creationId xmlns:a16="http://schemas.microsoft.com/office/drawing/2014/main" xmlns="" id="{B5079BE9-992D-4B44-91E3-B54BE189D902}"/>
+                <a16:creationId xmlns="" xmlns:a16="http://schemas.microsoft.com/office/drawing/2014/main" id="{B5079BE9-992D-4B44-91E3-B54BE189D902}"/>
               </a:ext>
             </a:extLst>
           </p:cNvPr>
@@ -1738,7 +1738,7 @@
           <p:cNvPr id="5" name="날짜 개체 틀 4">
             <a:extLst>
               <a:ext uri="{FF2B5EF4-FFF2-40B4-BE49-F238E27FC236}">
-                <a16:creationId xmlns:a16="http://schemas.microsoft.com/office/drawing/2014/main" xmlns="" id="{0C6CD329-2B30-4EAB-90D4-5071A35820CF}"/>
+                <a16:creationId xmlns="" xmlns:a16="http://schemas.microsoft.com/office/drawing/2014/main" id="{0C6CD329-2B30-4EAB-90D4-5071A35820CF}"/>
               </a:ext>
             </a:extLst>
           </p:cNvPr>
@@ -1756,7 +1756,7 @@
           <a:p>
             <a:fld id="{EA1D0F14-F0EE-47F1-8485-631A311C4114}" type="datetimeFigureOut">
               <a:rPr lang="ko-KR" altLang="en-US" smtClean="0"/>
-              <a:t>2019-05-27</a:t>
+              <a:t>2019-05-29</a:t>
             </a:fld>
             <a:endParaRPr lang="ko-KR" altLang="en-US"/>
           </a:p>
@@ -1767,7 +1767,7 @@
           <p:cNvPr id="6" name="바닥글 개체 틀 5">
             <a:extLst>
               <a:ext uri="{FF2B5EF4-FFF2-40B4-BE49-F238E27FC236}">
-                <a16:creationId xmlns:a16="http://schemas.microsoft.com/office/drawing/2014/main" xmlns="" id="{8CFF9640-B1F6-4D6D-A3E8-F1D1728728F9}"/>
+                <a16:creationId xmlns="" xmlns:a16="http://schemas.microsoft.com/office/drawing/2014/main" id="{8CFF9640-B1F6-4D6D-A3E8-F1D1728728F9}"/>
               </a:ext>
             </a:extLst>
           </p:cNvPr>
@@ -1792,7 +1792,7 @@
           <p:cNvPr id="7" name="슬라이드 번호 개체 틀 6">
             <a:extLst>
               <a:ext uri="{FF2B5EF4-FFF2-40B4-BE49-F238E27FC236}">
-                <a16:creationId xmlns:a16="http://schemas.microsoft.com/office/drawing/2014/main" xmlns="" id="{DB31DF08-2755-4E20-8E14-AF057679A131}"/>
+                <a16:creationId xmlns="" xmlns:a16="http://schemas.microsoft.com/office/drawing/2014/main" id="{DB31DF08-2755-4E20-8E14-AF057679A131}"/>
               </a:ext>
             </a:extLst>
           </p:cNvPr>
@@ -1851,7 +1851,7 @@
           <p:cNvPr id="2" name="제목 1">
             <a:extLst>
               <a:ext uri="{FF2B5EF4-FFF2-40B4-BE49-F238E27FC236}">
-                <a16:creationId xmlns:a16="http://schemas.microsoft.com/office/drawing/2014/main" xmlns="" id="{249B3A2A-CCE8-4B7B-AD9E-4CF5D6B1DDA4}"/>
+                <a16:creationId xmlns="" xmlns:a16="http://schemas.microsoft.com/office/drawing/2014/main" id="{249B3A2A-CCE8-4B7B-AD9E-4CF5D6B1DDA4}"/>
               </a:ext>
             </a:extLst>
           </p:cNvPr>
@@ -1884,7 +1884,7 @@
           <p:cNvPr id="3" name="텍스트 개체 틀 2">
             <a:extLst>
               <a:ext uri="{FF2B5EF4-FFF2-40B4-BE49-F238E27FC236}">
-                <a16:creationId xmlns:a16="http://schemas.microsoft.com/office/drawing/2014/main" xmlns="" id="{A0E04BDA-1F2E-4B40-B0EC-74C35DE46C1E}"/>
+                <a16:creationId xmlns="" xmlns:a16="http://schemas.microsoft.com/office/drawing/2014/main" id="{A0E04BDA-1F2E-4B40-B0EC-74C35DE46C1E}"/>
               </a:ext>
             </a:extLst>
           </p:cNvPr>
@@ -1955,7 +1955,7 @@
           <p:cNvPr id="4" name="내용 개체 틀 3">
             <a:extLst>
               <a:ext uri="{FF2B5EF4-FFF2-40B4-BE49-F238E27FC236}">
-                <a16:creationId xmlns:a16="http://schemas.microsoft.com/office/drawing/2014/main" xmlns="" id="{804DFE77-E70F-45F7-B9B6-2FB1FE2C3ECC}"/>
+                <a16:creationId xmlns="" xmlns:a16="http://schemas.microsoft.com/office/drawing/2014/main" id="{804DFE77-E70F-45F7-B9B6-2FB1FE2C3ECC}"/>
               </a:ext>
             </a:extLst>
           </p:cNvPr>
@@ -2017,7 +2017,7 @@
           <p:cNvPr id="5" name="텍스트 개체 틀 4">
             <a:extLst>
               <a:ext uri="{FF2B5EF4-FFF2-40B4-BE49-F238E27FC236}">
-                <a16:creationId xmlns:a16="http://schemas.microsoft.com/office/drawing/2014/main" xmlns="" id="{3C5A3BF0-BBD0-4F39-BFFA-81A74BB23323}"/>
+                <a16:creationId xmlns="" xmlns:a16="http://schemas.microsoft.com/office/drawing/2014/main" id="{3C5A3BF0-BBD0-4F39-BFFA-81A74BB23323}"/>
               </a:ext>
             </a:extLst>
           </p:cNvPr>
@@ -2088,7 +2088,7 @@
           <p:cNvPr id="6" name="내용 개체 틀 5">
             <a:extLst>
               <a:ext uri="{FF2B5EF4-FFF2-40B4-BE49-F238E27FC236}">
-                <a16:creationId xmlns:a16="http://schemas.microsoft.com/office/drawing/2014/main" xmlns="" id="{147E55C1-D067-4AC1-AFF2-504226F5AE48}"/>
+                <a16:creationId xmlns="" xmlns:a16="http://schemas.microsoft.com/office/drawing/2014/main" id="{147E55C1-D067-4AC1-AFF2-504226F5AE48}"/>
               </a:ext>
             </a:extLst>
           </p:cNvPr>
@@ -2150,7 +2150,7 @@
           <p:cNvPr id="7" name="날짜 개체 틀 6">
             <a:extLst>
               <a:ext uri="{FF2B5EF4-FFF2-40B4-BE49-F238E27FC236}">
-                <a16:creationId xmlns:a16="http://schemas.microsoft.com/office/drawing/2014/main" xmlns="" id="{E15B5490-E9D1-4C8D-904D-AB83F3E7FEF8}"/>
+                <a16:creationId xmlns="" xmlns:a16="http://schemas.microsoft.com/office/drawing/2014/main" id="{E15B5490-E9D1-4C8D-904D-AB83F3E7FEF8}"/>
               </a:ext>
             </a:extLst>
           </p:cNvPr>
@@ -2168,7 +2168,7 @@
           <a:p>
             <a:fld id="{EA1D0F14-F0EE-47F1-8485-631A311C4114}" type="datetimeFigureOut">
               <a:rPr lang="ko-KR" altLang="en-US" smtClean="0"/>
-              <a:t>2019-05-27</a:t>
+              <a:t>2019-05-29</a:t>
             </a:fld>
             <a:endParaRPr lang="ko-KR" altLang="en-US"/>
           </a:p>
@@ -2179,7 +2179,7 @@
           <p:cNvPr id="8" name="바닥글 개체 틀 7">
             <a:extLst>
               <a:ext uri="{FF2B5EF4-FFF2-40B4-BE49-F238E27FC236}">
-                <a16:creationId xmlns:a16="http://schemas.microsoft.com/office/drawing/2014/main" xmlns="" id="{F986CF15-C99C-4319-A8E6-D98039BDF787}"/>
+                <a16:creationId xmlns="" xmlns:a16="http://schemas.microsoft.com/office/drawing/2014/main" id="{F986CF15-C99C-4319-A8E6-D98039BDF787}"/>
               </a:ext>
             </a:extLst>
           </p:cNvPr>
@@ -2204,7 +2204,7 @@
           <p:cNvPr id="9" name="슬라이드 번호 개체 틀 8">
             <a:extLst>
               <a:ext uri="{FF2B5EF4-FFF2-40B4-BE49-F238E27FC236}">
-                <a16:creationId xmlns:a16="http://schemas.microsoft.com/office/drawing/2014/main" xmlns="" id="{5BB9BDD3-16E7-4BA9-B5AD-89DCE01D0AF9}"/>
+                <a16:creationId xmlns="" xmlns:a16="http://schemas.microsoft.com/office/drawing/2014/main" id="{5BB9BDD3-16E7-4BA9-B5AD-89DCE01D0AF9}"/>
               </a:ext>
             </a:extLst>
           </p:cNvPr>
@@ -2263,7 +2263,7 @@
           <p:cNvPr id="2" name="제목 1">
             <a:extLst>
               <a:ext uri="{FF2B5EF4-FFF2-40B4-BE49-F238E27FC236}">
-                <a16:creationId xmlns:a16="http://schemas.microsoft.com/office/drawing/2014/main" xmlns="" id="{EE6B671C-188F-42C7-A02F-625413807CB4}"/>
+                <a16:creationId xmlns="" xmlns:a16="http://schemas.microsoft.com/office/drawing/2014/main" id="{EE6B671C-188F-42C7-A02F-625413807CB4}"/>
               </a:ext>
             </a:extLst>
           </p:cNvPr>
@@ -2291,7 +2291,7 @@
           <p:cNvPr id="3" name="날짜 개체 틀 2">
             <a:extLst>
               <a:ext uri="{FF2B5EF4-FFF2-40B4-BE49-F238E27FC236}">
-                <a16:creationId xmlns:a16="http://schemas.microsoft.com/office/drawing/2014/main" xmlns="" id="{315871E4-C0D0-4C56-9207-0026367394D0}"/>
+                <a16:creationId xmlns="" xmlns:a16="http://schemas.microsoft.com/office/drawing/2014/main" id="{315871E4-C0D0-4C56-9207-0026367394D0}"/>
               </a:ext>
             </a:extLst>
           </p:cNvPr>
@@ -2309,7 +2309,7 @@
           <a:p>
             <a:fld id="{EA1D0F14-F0EE-47F1-8485-631A311C4114}" type="datetimeFigureOut">
               <a:rPr lang="ko-KR" altLang="en-US" smtClean="0"/>
-              <a:t>2019-05-27</a:t>
+              <a:t>2019-05-29</a:t>
             </a:fld>
             <a:endParaRPr lang="ko-KR" altLang="en-US"/>
           </a:p>
@@ -2320,7 +2320,7 @@
           <p:cNvPr id="4" name="바닥글 개체 틀 3">
             <a:extLst>
               <a:ext uri="{FF2B5EF4-FFF2-40B4-BE49-F238E27FC236}">
-                <a16:creationId xmlns:a16="http://schemas.microsoft.com/office/drawing/2014/main" xmlns="" id="{1E3C132F-E1FA-4E4C-933A-0F49FFF4F24E}"/>
+                <a16:creationId xmlns="" xmlns:a16="http://schemas.microsoft.com/office/drawing/2014/main" id="{1E3C132F-E1FA-4E4C-933A-0F49FFF4F24E}"/>
               </a:ext>
             </a:extLst>
           </p:cNvPr>
@@ -2345,7 +2345,7 @@
           <p:cNvPr id="5" name="슬라이드 번호 개체 틀 4">
             <a:extLst>
               <a:ext uri="{FF2B5EF4-FFF2-40B4-BE49-F238E27FC236}">
-                <a16:creationId xmlns:a16="http://schemas.microsoft.com/office/drawing/2014/main" xmlns="" id="{D2FBE4C7-A293-495F-A5DD-5B62A3ADD022}"/>
+                <a16:creationId xmlns="" xmlns:a16="http://schemas.microsoft.com/office/drawing/2014/main" id="{D2FBE4C7-A293-495F-A5DD-5B62A3ADD022}"/>
               </a:ext>
             </a:extLst>
           </p:cNvPr>
@@ -2404,7 +2404,7 @@
           <p:cNvPr id="2" name="날짜 개체 틀 1">
             <a:extLst>
               <a:ext uri="{FF2B5EF4-FFF2-40B4-BE49-F238E27FC236}">
-                <a16:creationId xmlns:a16="http://schemas.microsoft.com/office/drawing/2014/main" xmlns="" id="{05B69FBF-514F-456F-9C1A-81C241BCB5DC}"/>
+                <a16:creationId xmlns="" xmlns:a16="http://schemas.microsoft.com/office/drawing/2014/main" id="{05B69FBF-514F-456F-9C1A-81C241BCB5DC}"/>
               </a:ext>
             </a:extLst>
           </p:cNvPr>
@@ -2422,7 +2422,7 @@
           <a:p>
             <a:fld id="{EA1D0F14-F0EE-47F1-8485-631A311C4114}" type="datetimeFigureOut">
               <a:rPr lang="ko-KR" altLang="en-US" smtClean="0"/>
-              <a:t>2019-05-27</a:t>
+              <a:t>2019-05-29</a:t>
             </a:fld>
             <a:endParaRPr lang="ko-KR" altLang="en-US"/>
           </a:p>
@@ -2433,7 +2433,7 @@
           <p:cNvPr id="3" name="바닥글 개체 틀 2">
             <a:extLst>
               <a:ext uri="{FF2B5EF4-FFF2-40B4-BE49-F238E27FC236}">
-                <a16:creationId xmlns:a16="http://schemas.microsoft.com/office/drawing/2014/main" xmlns="" id="{157C01B0-8393-4929-A8A0-A4E2A4E7A6CD}"/>
+                <a16:creationId xmlns="" xmlns:a16="http://schemas.microsoft.com/office/drawing/2014/main" id="{157C01B0-8393-4929-A8A0-A4E2A4E7A6CD}"/>
               </a:ext>
             </a:extLst>
           </p:cNvPr>
@@ -2458,7 +2458,7 @@
           <p:cNvPr id="4" name="슬라이드 번호 개체 틀 3">
             <a:extLst>
               <a:ext uri="{FF2B5EF4-FFF2-40B4-BE49-F238E27FC236}">
-                <a16:creationId xmlns:a16="http://schemas.microsoft.com/office/drawing/2014/main" xmlns="" id="{57740E68-3F97-4D4D-AF75-D2118D64C825}"/>
+                <a16:creationId xmlns="" xmlns:a16="http://schemas.microsoft.com/office/drawing/2014/main" id="{57740E68-3F97-4D4D-AF75-D2118D64C825}"/>
               </a:ext>
             </a:extLst>
           </p:cNvPr>
@@ -2517,7 +2517,7 @@
           <p:cNvPr id="2" name="제목 1">
             <a:extLst>
               <a:ext uri="{FF2B5EF4-FFF2-40B4-BE49-F238E27FC236}">
-                <a16:creationId xmlns:a16="http://schemas.microsoft.com/office/drawing/2014/main" xmlns="" id="{6BA3C158-10B4-4094-B106-876DD2663E20}"/>
+                <a16:creationId xmlns="" xmlns:a16="http://schemas.microsoft.com/office/drawing/2014/main" id="{6BA3C158-10B4-4094-B106-876DD2663E20}"/>
               </a:ext>
             </a:extLst>
           </p:cNvPr>
@@ -2554,7 +2554,7 @@
           <p:cNvPr id="3" name="내용 개체 틀 2">
             <a:extLst>
               <a:ext uri="{FF2B5EF4-FFF2-40B4-BE49-F238E27FC236}">
-                <a16:creationId xmlns:a16="http://schemas.microsoft.com/office/drawing/2014/main" xmlns="" id="{5EF3BC81-A9A8-4E21-B31F-1F60C84B7F55}"/>
+                <a16:creationId xmlns="" xmlns:a16="http://schemas.microsoft.com/office/drawing/2014/main" id="{5EF3BC81-A9A8-4E21-B31F-1F60C84B7F55}"/>
               </a:ext>
             </a:extLst>
           </p:cNvPr>
@@ -2644,7 +2644,7 @@
           <p:cNvPr id="4" name="텍스트 개체 틀 3">
             <a:extLst>
               <a:ext uri="{FF2B5EF4-FFF2-40B4-BE49-F238E27FC236}">
-                <a16:creationId xmlns:a16="http://schemas.microsoft.com/office/drawing/2014/main" xmlns="" id="{F3C755BD-C4FA-499E-A261-8899EC5231F1}"/>
+                <a16:creationId xmlns="" xmlns:a16="http://schemas.microsoft.com/office/drawing/2014/main" id="{F3C755BD-C4FA-499E-A261-8899EC5231F1}"/>
               </a:ext>
             </a:extLst>
           </p:cNvPr>
@@ -2715,7 +2715,7 @@
           <p:cNvPr id="5" name="날짜 개체 틀 4">
             <a:extLst>
               <a:ext uri="{FF2B5EF4-FFF2-40B4-BE49-F238E27FC236}">
-                <a16:creationId xmlns:a16="http://schemas.microsoft.com/office/drawing/2014/main" xmlns="" id="{3D4730B5-A33C-40AA-9B79-5824E876A4DF}"/>
+                <a16:creationId xmlns="" xmlns:a16="http://schemas.microsoft.com/office/drawing/2014/main" id="{3D4730B5-A33C-40AA-9B79-5824E876A4DF}"/>
               </a:ext>
             </a:extLst>
           </p:cNvPr>
@@ -2733,7 +2733,7 @@
           <a:p>
             <a:fld id="{EA1D0F14-F0EE-47F1-8485-631A311C4114}" type="datetimeFigureOut">
               <a:rPr lang="ko-KR" altLang="en-US" smtClean="0"/>
-              <a:t>2019-05-27</a:t>
+              <a:t>2019-05-29</a:t>
             </a:fld>
             <a:endParaRPr lang="ko-KR" altLang="en-US"/>
           </a:p>
@@ -2744,7 +2744,7 @@
           <p:cNvPr id="6" name="바닥글 개체 틀 5">
             <a:extLst>
               <a:ext uri="{FF2B5EF4-FFF2-40B4-BE49-F238E27FC236}">
-                <a16:creationId xmlns:a16="http://schemas.microsoft.com/office/drawing/2014/main" xmlns="" id="{688562BA-2A99-4038-BC84-7ACF06174BB0}"/>
+                <a16:creationId xmlns="" xmlns:a16="http://schemas.microsoft.com/office/drawing/2014/main" id="{688562BA-2A99-4038-BC84-7ACF06174BB0}"/>
               </a:ext>
             </a:extLst>
           </p:cNvPr>
@@ -2769,7 +2769,7 @@
           <p:cNvPr id="7" name="슬라이드 번호 개체 틀 6">
             <a:extLst>
               <a:ext uri="{FF2B5EF4-FFF2-40B4-BE49-F238E27FC236}">
-                <a16:creationId xmlns:a16="http://schemas.microsoft.com/office/drawing/2014/main" xmlns="" id="{46A303F7-72BE-4385-8BDB-53C085CFCF9A}"/>
+                <a16:creationId xmlns="" xmlns:a16="http://schemas.microsoft.com/office/drawing/2014/main" id="{46A303F7-72BE-4385-8BDB-53C085CFCF9A}"/>
               </a:ext>
             </a:extLst>
           </p:cNvPr>
@@ -2828,7 +2828,7 @@
           <p:cNvPr id="2" name="제목 1">
             <a:extLst>
               <a:ext uri="{FF2B5EF4-FFF2-40B4-BE49-F238E27FC236}">
-                <a16:creationId xmlns:a16="http://schemas.microsoft.com/office/drawing/2014/main" xmlns="" id="{67D4F4C6-A985-4193-AB08-5A2715358762}"/>
+                <a16:creationId xmlns="" xmlns:a16="http://schemas.microsoft.com/office/drawing/2014/main" id="{67D4F4C6-A985-4193-AB08-5A2715358762}"/>
               </a:ext>
             </a:extLst>
           </p:cNvPr>
@@ -2865,7 +2865,7 @@
           <p:cNvPr id="3" name="그림 개체 틀 2">
             <a:extLst>
               <a:ext uri="{FF2B5EF4-FFF2-40B4-BE49-F238E27FC236}">
-                <a16:creationId xmlns:a16="http://schemas.microsoft.com/office/drawing/2014/main" xmlns="" id="{994D885B-BD45-4364-86D1-E97C7FBA1C19}"/>
+                <a16:creationId xmlns="" xmlns:a16="http://schemas.microsoft.com/office/drawing/2014/main" id="{994D885B-BD45-4364-86D1-E97C7FBA1C19}"/>
               </a:ext>
             </a:extLst>
           </p:cNvPr>
@@ -2932,7 +2932,7 @@
           <p:cNvPr id="4" name="텍스트 개체 틀 3">
             <a:extLst>
               <a:ext uri="{FF2B5EF4-FFF2-40B4-BE49-F238E27FC236}">
-                <a16:creationId xmlns:a16="http://schemas.microsoft.com/office/drawing/2014/main" xmlns="" id="{D46CCCC4-6866-45A4-A8E7-DB1CC186E29F}"/>
+                <a16:creationId xmlns="" xmlns:a16="http://schemas.microsoft.com/office/drawing/2014/main" id="{D46CCCC4-6866-45A4-A8E7-DB1CC186E29F}"/>
               </a:ext>
             </a:extLst>
           </p:cNvPr>
@@ -3003,7 +3003,7 @@
           <p:cNvPr id="5" name="날짜 개체 틀 4">
             <a:extLst>
               <a:ext uri="{FF2B5EF4-FFF2-40B4-BE49-F238E27FC236}">
-                <a16:creationId xmlns:a16="http://schemas.microsoft.com/office/drawing/2014/main" xmlns="" id="{B0C4D9AE-89FE-4E38-99AD-85E9B7FAC89C}"/>
+                <a16:creationId xmlns="" xmlns:a16="http://schemas.microsoft.com/office/drawing/2014/main" id="{B0C4D9AE-89FE-4E38-99AD-85E9B7FAC89C}"/>
               </a:ext>
             </a:extLst>
           </p:cNvPr>
@@ -3021,7 +3021,7 @@
           <a:p>
             <a:fld id="{EA1D0F14-F0EE-47F1-8485-631A311C4114}" type="datetimeFigureOut">
               <a:rPr lang="ko-KR" altLang="en-US" smtClean="0"/>
-              <a:t>2019-05-27</a:t>
+              <a:t>2019-05-29</a:t>
             </a:fld>
             <a:endParaRPr lang="ko-KR" altLang="en-US"/>
           </a:p>
@@ -3032,7 +3032,7 @@
           <p:cNvPr id="6" name="바닥글 개체 틀 5">
             <a:extLst>
               <a:ext uri="{FF2B5EF4-FFF2-40B4-BE49-F238E27FC236}">
-                <a16:creationId xmlns:a16="http://schemas.microsoft.com/office/drawing/2014/main" xmlns="" id="{5783A70D-75CA-4BA3-B8EC-3B34D227B557}"/>
+                <a16:creationId xmlns="" xmlns:a16="http://schemas.microsoft.com/office/drawing/2014/main" id="{5783A70D-75CA-4BA3-B8EC-3B34D227B557}"/>
               </a:ext>
             </a:extLst>
           </p:cNvPr>
@@ -3057,7 +3057,7 @@
           <p:cNvPr id="7" name="슬라이드 번호 개체 틀 6">
             <a:extLst>
               <a:ext uri="{FF2B5EF4-FFF2-40B4-BE49-F238E27FC236}">
-                <a16:creationId xmlns:a16="http://schemas.microsoft.com/office/drawing/2014/main" xmlns="" id="{7AA2A282-F6FF-4B38-849B-FF6DE6B3CF8E}"/>
+                <a16:creationId xmlns="" xmlns:a16="http://schemas.microsoft.com/office/drawing/2014/main" id="{7AA2A282-F6FF-4B38-849B-FF6DE6B3CF8E}"/>
               </a:ext>
             </a:extLst>
           </p:cNvPr>
@@ -3127,7 +3127,7 @@
           <p:cNvPr id="2" name="제목 개체 틀 1">
             <a:extLst>
               <a:ext uri="{FF2B5EF4-FFF2-40B4-BE49-F238E27FC236}">
-                <a16:creationId xmlns:a16="http://schemas.microsoft.com/office/drawing/2014/main" xmlns="" id="{5834BE94-F846-48FE-864F-8051FA3F0CD4}"/>
+                <a16:creationId xmlns="" xmlns:a16="http://schemas.microsoft.com/office/drawing/2014/main" id="{5834BE94-F846-48FE-864F-8051FA3F0CD4}"/>
               </a:ext>
             </a:extLst>
           </p:cNvPr>
@@ -3165,7 +3165,7 @@
           <p:cNvPr id="3" name="텍스트 개체 틀 2">
             <a:extLst>
               <a:ext uri="{FF2B5EF4-FFF2-40B4-BE49-F238E27FC236}">
-                <a16:creationId xmlns:a16="http://schemas.microsoft.com/office/drawing/2014/main" xmlns="" id="{6C70595C-73B4-4F58-9C2B-4C99B6F77843}"/>
+                <a16:creationId xmlns="" xmlns:a16="http://schemas.microsoft.com/office/drawing/2014/main" id="{6C70595C-73B4-4F58-9C2B-4C99B6F77843}"/>
               </a:ext>
             </a:extLst>
           </p:cNvPr>
@@ -3232,7 +3232,7 @@
           <p:cNvPr id="4" name="날짜 개체 틀 3">
             <a:extLst>
               <a:ext uri="{FF2B5EF4-FFF2-40B4-BE49-F238E27FC236}">
-                <a16:creationId xmlns:a16="http://schemas.microsoft.com/office/drawing/2014/main" xmlns="" id="{F0AA953D-C470-4121-B7CD-FEA4B3BE4325}"/>
+                <a16:creationId xmlns="" xmlns:a16="http://schemas.microsoft.com/office/drawing/2014/main" id="{F0AA953D-C470-4121-B7CD-FEA4B3BE4325}"/>
               </a:ext>
             </a:extLst>
           </p:cNvPr>
@@ -3268,7 +3268,7 @@
           <a:p>
             <a:fld id="{EA1D0F14-F0EE-47F1-8485-631A311C4114}" type="datetimeFigureOut">
               <a:rPr lang="ko-KR" altLang="en-US" smtClean="0"/>
-              <a:t>2019-05-27</a:t>
+              <a:t>2019-05-29</a:t>
             </a:fld>
             <a:endParaRPr lang="ko-KR" altLang="en-US"/>
           </a:p>
@@ -3279,7 +3279,7 @@
           <p:cNvPr id="5" name="바닥글 개체 틀 4">
             <a:extLst>
               <a:ext uri="{FF2B5EF4-FFF2-40B4-BE49-F238E27FC236}">
-                <a16:creationId xmlns:a16="http://schemas.microsoft.com/office/drawing/2014/main" xmlns="" id="{94D44453-C8BE-40EF-A944-82154B4528B9}"/>
+                <a16:creationId xmlns="" xmlns:a16="http://schemas.microsoft.com/office/drawing/2014/main" id="{94D44453-C8BE-40EF-A944-82154B4528B9}"/>
               </a:ext>
             </a:extLst>
           </p:cNvPr>
@@ -3322,7 +3322,7 @@
           <p:cNvPr id="6" name="슬라이드 번호 개체 틀 5">
             <a:extLst>
               <a:ext uri="{FF2B5EF4-FFF2-40B4-BE49-F238E27FC236}">
-                <a16:creationId xmlns:a16="http://schemas.microsoft.com/office/drawing/2014/main" xmlns="" id="{11C72AAA-BE99-4335-8772-76A920318282}"/>
+                <a16:creationId xmlns="" xmlns:a16="http://schemas.microsoft.com/office/drawing/2014/main" id="{11C72AAA-BE99-4335-8772-76A920318282}"/>
               </a:ext>
             </a:extLst>
           </p:cNvPr>
@@ -3690,7 +3690,7 @@
           <p:cNvPr id="5" name="사각형: 모서리가 접힌 도형 4">
             <a:extLst>
               <a:ext uri="{FF2B5EF4-FFF2-40B4-BE49-F238E27FC236}">
-                <a16:creationId xmlns:a16="http://schemas.microsoft.com/office/drawing/2014/main" xmlns="" id="{8ABB8C1B-9329-4031-B389-050A2DC20A96}"/>
+                <a16:creationId xmlns="" xmlns:a16="http://schemas.microsoft.com/office/drawing/2014/main" id="{8ABB8C1B-9329-4031-B389-050A2DC20A96}"/>
               </a:ext>
             </a:extLst>
           </p:cNvPr>
@@ -3742,7 +3742,7 @@
           <p:cNvPr id="2" name="제목 1">
             <a:extLst>
               <a:ext uri="{FF2B5EF4-FFF2-40B4-BE49-F238E27FC236}">
-                <a16:creationId xmlns:a16="http://schemas.microsoft.com/office/drawing/2014/main" xmlns="" id="{56569103-FEE9-4511-9730-931243ABA1AE}"/>
+                <a16:creationId xmlns="" xmlns:a16="http://schemas.microsoft.com/office/drawing/2014/main" id="{56569103-FEE9-4511-9730-931243ABA1AE}"/>
               </a:ext>
             </a:extLst>
           </p:cNvPr>
@@ -3824,7 +3824,7 @@
           <p:cNvPr id="3" name="부제목 2">
             <a:extLst>
               <a:ext uri="{FF2B5EF4-FFF2-40B4-BE49-F238E27FC236}">
-                <a16:creationId xmlns:a16="http://schemas.microsoft.com/office/drawing/2014/main" xmlns="" id="{CB48A815-EAF2-415E-977D-FB683764142A}"/>
+                <a16:creationId xmlns="" xmlns:a16="http://schemas.microsoft.com/office/drawing/2014/main" id="{CB48A815-EAF2-415E-977D-FB683764142A}"/>
               </a:ext>
             </a:extLst>
           </p:cNvPr>
@@ -3910,7 +3910,7 @@
           <p:cNvPr id="6" name="직각 삼각형 5">
             <a:extLst>
               <a:ext uri="{FF2B5EF4-FFF2-40B4-BE49-F238E27FC236}">
-                <a16:creationId xmlns:a16="http://schemas.microsoft.com/office/drawing/2014/main" xmlns="" id="{C1F7F5E9-A85F-4D23-B959-C208781B1A7B}"/>
+                <a16:creationId xmlns="" xmlns:a16="http://schemas.microsoft.com/office/drawing/2014/main" id="{C1F7F5E9-A85F-4D23-B959-C208781B1A7B}"/>
               </a:ext>
             </a:extLst>
           </p:cNvPr>
@@ -3967,11 +3967,11 @@
   <p:clrMapOvr>
     <a:masterClrMapping/>
   </p:clrMapOvr>
-  <mc:AlternateContent xmlns:mc="http://schemas.openxmlformats.org/markup-compatibility/2006">
-    <mc:Choice xmlns:p14="http://schemas.microsoft.com/office/powerpoint/2010/main" Requires="p14">
+  <mc:AlternateContent xmlns:mc="http://schemas.openxmlformats.org/markup-compatibility/2006" xmlns:p14="http://schemas.microsoft.com/office/powerpoint/2010/main">
+    <mc:Choice Requires="p14">
       <p:transition spd="slow" p14:dur="2000" advTm="9156"/>
     </mc:Choice>
-    <mc:Fallback>
+    <mc:Fallback xmlns="">
       <p:transition spd="slow" advTm="9156"/>
     </mc:Fallback>
   </mc:AlternateContent>
@@ -4007,7 +4007,7 @@
           <p:cNvPr id="5" name="사각형: 모서리가 접힌 도형 4">
             <a:extLst>
               <a:ext uri="{FF2B5EF4-FFF2-40B4-BE49-F238E27FC236}">
-                <a16:creationId xmlns:a16="http://schemas.microsoft.com/office/drawing/2014/main" xmlns="" id="{8ABB8C1B-9329-4031-B389-050A2DC20A96}"/>
+                <a16:creationId xmlns="" xmlns:a16="http://schemas.microsoft.com/office/drawing/2014/main" id="{8ABB8C1B-9329-4031-B389-050A2DC20A96}"/>
               </a:ext>
             </a:extLst>
           </p:cNvPr>
@@ -4059,7 +4059,7 @@
           <p:cNvPr id="6" name="직각 삼각형 5">
             <a:extLst>
               <a:ext uri="{FF2B5EF4-FFF2-40B4-BE49-F238E27FC236}">
-                <a16:creationId xmlns:a16="http://schemas.microsoft.com/office/drawing/2014/main" xmlns="" id="{C1F7F5E9-A85F-4D23-B959-C208781B1A7B}"/>
+                <a16:creationId xmlns="" xmlns:a16="http://schemas.microsoft.com/office/drawing/2014/main" id="{C1F7F5E9-A85F-4D23-B959-C208781B1A7B}"/>
               </a:ext>
             </a:extLst>
           </p:cNvPr>
@@ -4111,7 +4111,7 @@
           <p:cNvPr id="10" name="TextBox 9">
             <a:extLst>
               <a:ext uri="{FF2B5EF4-FFF2-40B4-BE49-F238E27FC236}">
-                <a16:creationId xmlns:a16="http://schemas.microsoft.com/office/drawing/2014/main" xmlns="" id="{17DF9175-00D5-416E-B27F-A85C5309FCE2}"/>
+                <a16:creationId xmlns="" xmlns:a16="http://schemas.microsoft.com/office/drawing/2014/main" id="{17DF9175-00D5-416E-B27F-A85C5309FCE2}"/>
               </a:ext>
             </a:extLst>
           </p:cNvPr>
@@ -4154,7 +4154,7 @@
           <p:cNvPr id="11" name="TextBox 10">
             <a:extLst>
               <a:ext uri="{FF2B5EF4-FFF2-40B4-BE49-F238E27FC236}">
-                <a16:creationId xmlns:a16="http://schemas.microsoft.com/office/drawing/2014/main" xmlns="" id="{7ED96254-57A7-4046-9ACF-55290561DEC3}"/>
+                <a16:creationId xmlns="" xmlns:a16="http://schemas.microsoft.com/office/drawing/2014/main" id="{7ED96254-57A7-4046-9ACF-55290561DEC3}"/>
               </a:ext>
             </a:extLst>
           </p:cNvPr>
@@ -4306,7 +4306,7 @@
           <p:cNvPr id="15" name="직선 연결선 14">
             <a:extLst>
               <a:ext uri="{FF2B5EF4-FFF2-40B4-BE49-F238E27FC236}">
-                <a16:creationId xmlns:a16="http://schemas.microsoft.com/office/drawing/2014/main" xmlns="" id="{82B1D5A5-8EB9-4F62-90EE-6EB8B5CF25E0}"/>
+                <a16:creationId xmlns="" xmlns:a16="http://schemas.microsoft.com/office/drawing/2014/main" id="{82B1D5A5-8EB9-4F62-90EE-6EB8B5CF25E0}"/>
               </a:ext>
             </a:extLst>
           </p:cNvPr>
@@ -4353,7 +4353,7 @@
           <p:cNvPr id="17" name="직선 연결선 16">
             <a:extLst>
               <a:ext uri="{FF2B5EF4-FFF2-40B4-BE49-F238E27FC236}">
-                <a16:creationId xmlns:a16="http://schemas.microsoft.com/office/drawing/2014/main" xmlns="" id="{EDAA26CF-50FD-45CD-AD30-3309C44004AC}"/>
+                <a16:creationId xmlns="" xmlns:a16="http://schemas.microsoft.com/office/drawing/2014/main" id="{EDAA26CF-50FD-45CD-AD30-3309C44004AC}"/>
               </a:ext>
             </a:extLst>
           </p:cNvPr>
@@ -4405,11 +4405,11 @@
   <p:clrMapOvr>
     <a:masterClrMapping/>
   </p:clrMapOvr>
-  <mc:AlternateContent xmlns:mc="http://schemas.openxmlformats.org/markup-compatibility/2006">
-    <mc:Choice xmlns:p14="http://schemas.microsoft.com/office/powerpoint/2010/main" Requires="p14">
+  <mc:AlternateContent xmlns:mc="http://schemas.openxmlformats.org/markup-compatibility/2006" xmlns:p14="http://schemas.microsoft.com/office/powerpoint/2010/main">
+    <mc:Choice Requires="p14">
       <p:transition spd="slow" p14:dur="2000" advTm="14257"/>
     </mc:Choice>
-    <mc:Fallback>
+    <mc:Fallback xmlns="">
       <p:transition spd="slow" advTm="14257"/>
     </mc:Fallback>
   </mc:AlternateContent>
@@ -4445,7 +4445,7 @@
           <p:cNvPr id="2" name="TextBox 1">
             <a:extLst>
               <a:ext uri="{FF2B5EF4-FFF2-40B4-BE49-F238E27FC236}">
-                <a16:creationId xmlns:a16="http://schemas.microsoft.com/office/drawing/2014/main" xmlns="" id="{A354FD21-B580-486B-B91F-149F630648C7}"/>
+                <a16:creationId xmlns="" xmlns:a16="http://schemas.microsoft.com/office/drawing/2014/main" id="{A354FD21-B580-486B-B91F-149F630648C7}"/>
               </a:ext>
             </a:extLst>
           </p:cNvPr>
@@ -4484,7 +4484,7 @@
           <p:cNvPr id="7" name="직사각형 6">
             <a:extLst>
               <a:ext uri="{FF2B5EF4-FFF2-40B4-BE49-F238E27FC236}">
-                <a16:creationId xmlns:a16="http://schemas.microsoft.com/office/drawing/2014/main" xmlns="" id="{BF206D48-952C-41A1-86F4-BFE173191F0F}"/>
+                <a16:creationId xmlns="" xmlns:a16="http://schemas.microsoft.com/office/drawing/2014/main" id="{BF206D48-952C-41A1-86F4-BFE173191F0F}"/>
               </a:ext>
             </a:extLst>
           </p:cNvPr>
@@ -4536,7 +4536,7 @@
           <p:cNvPr id="14" name="TextBox 13">
             <a:extLst>
               <a:ext uri="{FF2B5EF4-FFF2-40B4-BE49-F238E27FC236}">
-                <a16:creationId xmlns:a16="http://schemas.microsoft.com/office/drawing/2014/main" xmlns="" id="{CCA78A45-FD3A-4DB3-A02F-0DC22C0A17EB}"/>
+                <a16:creationId xmlns="" xmlns:a16="http://schemas.microsoft.com/office/drawing/2014/main" id="{CCA78A45-FD3A-4DB3-A02F-0DC22C0A17EB}"/>
               </a:ext>
             </a:extLst>
           </p:cNvPr>
@@ -4592,7 +4592,7 @@
           <p:cNvPr id="15" name="그림 14" descr="벡터그래픽이(가) 표시된 사진&#10;&#10;자동 생성된 설명">
             <a:extLst>
               <a:ext uri="{FF2B5EF4-FFF2-40B4-BE49-F238E27FC236}">
-                <a16:creationId xmlns:a16="http://schemas.microsoft.com/office/drawing/2014/main" xmlns="" id="{3B4BA68C-2E52-4AAF-BA48-490E4902DC1D}"/>
+                <a16:creationId xmlns="" xmlns:a16="http://schemas.microsoft.com/office/drawing/2014/main" id="{3B4BA68C-2E52-4AAF-BA48-490E4902DC1D}"/>
               </a:ext>
             </a:extLst>
           </p:cNvPr>
@@ -4628,7 +4628,7 @@
           <p:cNvPr id="17" name="그림 16">
             <a:extLst>
               <a:ext uri="{FF2B5EF4-FFF2-40B4-BE49-F238E27FC236}">
-                <a16:creationId xmlns:a16="http://schemas.microsoft.com/office/drawing/2014/main" xmlns="" id="{0F58E1C0-980D-4D35-8163-A6CEAB2CFE87}"/>
+                <a16:creationId xmlns="" xmlns:a16="http://schemas.microsoft.com/office/drawing/2014/main" id="{0F58E1C0-980D-4D35-8163-A6CEAB2CFE87}"/>
               </a:ext>
             </a:extLst>
           </p:cNvPr>
@@ -4664,7 +4664,7 @@
           <p:cNvPr id="19" name="그림 18">
             <a:extLst>
               <a:ext uri="{FF2B5EF4-FFF2-40B4-BE49-F238E27FC236}">
-                <a16:creationId xmlns:a16="http://schemas.microsoft.com/office/drawing/2014/main" xmlns="" id="{2C151713-8AAC-4ADE-8F93-780B6D6EF4D3}"/>
+                <a16:creationId xmlns="" xmlns:a16="http://schemas.microsoft.com/office/drawing/2014/main" id="{2C151713-8AAC-4ADE-8F93-780B6D6EF4D3}"/>
               </a:ext>
             </a:extLst>
           </p:cNvPr>
@@ -4717,7 +4717,7 @@
           <p:cNvPr id="20" name="그림 19">
             <a:extLst>
               <a:ext uri="{FF2B5EF4-FFF2-40B4-BE49-F238E27FC236}">
-                <a16:creationId xmlns:a16="http://schemas.microsoft.com/office/drawing/2014/main" xmlns="" id="{5269C561-E3C6-4143-BF48-E30955CB32C6}"/>
+                <a16:creationId xmlns="" xmlns:a16="http://schemas.microsoft.com/office/drawing/2014/main" id="{5269C561-E3C6-4143-BF48-E30955CB32C6}"/>
               </a:ext>
             </a:extLst>
           </p:cNvPr>
@@ -4770,7 +4770,7 @@
           <p:cNvPr id="21" name="그림 20">
             <a:extLst>
               <a:ext uri="{FF2B5EF4-FFF2-40B4-BE49-F238E27FC236}">
-                <a16:creationId xmlns:a16="http://schemas.microsoft.com/office/drawing/2014/main" xmlns="" id="{DD47A4E1-B609-43FE-8DBE-A11D105E62BD}"/>
+                <a16:creationId xmlns="" xmlns:a16="http://schemas.microsoft.com/office/drawing/2014/main" id="{DD47A4E1-B609-43FE-8DBE-A11D105E62BD}"/>
               </a:ext>
             </a:extLst>
           </p:cNvPr>
@@ -4823,7 +4823,7 @@
           <p:cNvPr id="22" name="그림 21">
             <a:extLst>
               <a:ext uri="{FF2B5EF4-FFF2-40B4-BE49-F238E27FC236}">
-                <a16:creationId xmlns:a16="http://schemas.microsoft.com/office/drawing/2014/main" xmlns="" id="{A430A5E9-7AF3-447F-B7E1-77A8DBA3EDCF}"/>
+                <a16:creationId xmlns="" xmlns:a16="http://schemas.microsoft.com/office/drawing/2014/main" id="{A430A5E9-7AF3-447F-B7E1-77A8DBA3EDCF}"/>
               </a:ext>
             </a:extLst>
           </p:cNvPr>
@@ -4881,11 +4881,11 @@
   <p:clrMapOvr>
     <a:masterClrMapping/>
   </p:clrMapOvr>
-  <mc:AlternateContent xmlns:mc="http://schemas.openxmlformats.org/markup-compatibility/2006">
-    <mc:Choice xmlns:p14="http://schemas.microsoft.com/office/powerpoint/2010/main" Requires="p14">
+  <mc:AlternateContent xmlns:mc="http://schemas.openxmlformats.org/markup-compatibility/2006" xmlns:p14="http://schemas.microsoft.com/office/powerpoint/2010/main">
+    <mc:Choice Requires="p14">
       <p:transition spd="slow" p14:dur="2000" advTm="7170"/>
     </mc:Choice>
-    <mc:Fallback>
+    <mc:Fallback xmlns="">
       <p:transition spd="slow" advTm="7170"/>
     </mc:Fallback>
   </mc:AlternateContent>
@@ -4921,7 +4921,7 @@
           <p:cNvPr id="11" name="TextBox 10">
             <a:extLst>
               <a:ext uri="{FF2B5EF4-FFF2-40B4-BE49-F238E27FC236}">
-                <a16:creationId xmlns:a16="http://schemas.microsoft.com/office/drawing/2014/main" xmlns="" id="{04A96EBE-4D24-4958-9EE6-48EFD4E27A96}"/>
+                <a16:creationId xmlns="" xmlns:a16="http://schemas.microsoft.com/office/drawing/2014/main" id="{04A96EBE-4D24-4958-9EE6-48EFD4E27A96}"/>
               </a:ext>
             </a:extLst>
           </p:cNvPr>
@@ -4965,7 +4965,7 @@
           <p:cNvPr id="12" name="직사각형 11">
             <a:extLst>
               <a:ext uri="{FF2B5EF4-FFF2-40B4-BE49-F238E27FC236}">
-                <a16:creationId xmlns:a16="http://schemas.microsoft.com/office/drawing/2014/main" xmlns="" id="{1BEA1184-1C54-4C4D-820F-C219C9AD973E}"/>
+                <a16:creationId xmlns="" xmlns:a16="http://schemas.microsoft.com/office/drawing/2014/main" id="{1BEA1184-1C54-4C4D-820F-C219C9AD973E}"/>
               </a:ext>
             </a:extLst>
           </p:cNvPr>
@@ -5017,7 +5017,7 @@
           <p:cNvPr id="16" name="TextBox 15">
             <a:extLst>
               <a:ext uri="{FF2B5EF4-FFF2-40B4-BE49-F238E27FC236}">
-                <a16:creationId xmlns:a16="http://schemas.microsoft.com/office/drawing/2014/main" xmlns="" id="{3AA1B08D-E641-4AE9-8DD6-7AFCB1778AF1}"/>
+                <a16:creationId xmlns="" xmlns:a16="http://schemas.microsoft.com/office/drawing/2014/main" id="{3AA1B08D-E641-4AE9-8DD6-7AFCB1778AF1}"/>
               </a:ext>
             </a:extLst>
           </p:cNvPr>
@@ -5026,8 +5026,8 @@
         </p:nvSpPr>
         <p:spPr>
           <a:xfrm>
-            <a:off x="2247899" y="2356686"/>
-            <a:ext cx="9060657" cy="1754326"/>
+            <a:off x="2247897" y="1421966"/>
+            <a:ext cx="9060657" cy="3970318"/>
           </a:xfrm>
           <a:prstGeom prst="rect">
             <a:avLst/>
@@ -5124,14 +5124,110 @@
                   <a:srgbClr val="FCAFAF"/>
                 </a:solidFill>
               </a:rPr>
-              <a:t>조회 기능</a:t>
-            </a:r>
+              <a:t>조회 </a:t>
+            </a:r>
+            <a:r>
+              <a:rPr lang="ko-KR" altLang="en-US" sz="2400" b="1" dirty="0" smtClean="0">
+                <a:solidFill>
+                  <a:srgbClr val="FCAFAF"/>
+                </a:solidFill>
+              </a:rPr>
+              <a:t>기능</a:t>
+            </a:r>
+            <a:endParaRPr lang="en-US" altLang="ko-KR" sz="2400" b="1" dirty="0" smtClean="0">
+              <a:solidFill>
+                <a:srgbClr val="FCAFAF"/>
+              </a:solidFill>
+            </a:endParaRPr>
+          </a:p>
+          <a:p>
+            <a:pPr>
+              <a:lnSpc>
+                <a:spcPct val="150000"/>
+              </a:lnSpc>
+            </a:pPr>
             <a:endParaRPr lang="en-US" altLang="ko-KR" sz="2400" b="1" dirty="0">
               <a:solidFill>
                 <a:srgbClr val="FCAFAF"/>
               </a:solidFill>
             </a:endParaRPr>
           </a:p>
+          <a:p>
+            <a:pPr>
+              <a:lnSpc>
+                <a:spcPct val="150000"/>
+              </a:lnSpc>
+            </a:pPr>
+            <a:r>
+              <a:rPr lang="en-US" altLang="ko-KR" sz="2400" b="1" dirty="0" smtClean="0">
+                <a:solidFill>
+                  <a:srgbClr val="FCAFAF"/>
+                </a:solidFill>
+              </a:rPr>
+              <a:t>3. </a:t>
+            </a:r>
+            <a:r>
+              <a:rPr lang="ko-KR" altLang="en-US" sz="2400" b="1" dirty="0" smtClean="0">
+                <a:solidFill>
+                  <a:srgbClr val="FCAFAF"/>
+                </a:solidFill>
+              </a:rPr>
+              <a:t>유기 장소로 유기동물 조회 기능</a:t>
+            </a:r>
+            <a:endParaRPr lang="en-US" altLang="ko-KR" sz="2400" b="1" dirty="0" smtClean="0">
+              <a:solidFill>
+                <a:srgbClr val="FCAFAF"/>
+              </a:solidFill>
+            </a:endParaRPr>
+          </a:p>
+          <a:p>
+            <a:pPr>
+              <a:lnSpc>
+                <a:spcPct val="150000"/>
+              </a:lnSpc>
+            </a:pPr>
+            <a:endParaRPr lang="en-US" altLang="ko-KR" sz="2400" b="1" dirty="0">
+              <a:solidFill>
+                <a:srgbClr val="FCAFAF"/>
+              </a:solidFill>
+            </a:endParaRPr>
+          </a:p>
+          <a:p>
+            <a:pPr>
+              <a:lnSpc>
+                <a:spcPct val="150000"/>
+              </a:lnSpc>
+            </a:pPr>
+            <a:r>
+              <a:rPr lang="en-US" altLang="ko-KR" sz="2400" b="1" dirty="0" smtClean="0">
+                <a:solidFill>
+                  <a:srgbClr val="FCAFAF"/>
+                </a:solidFill>
+              </a:rPr>
+              <a:t>4. </a:t>
+            </a:r>
+            <a:r>
+              <a:rPr lang="en-US" altLang="ko-KR" sz="2400" b="1" dirty="0" err="1" smtClean="0">
+                <a:solidFill>
+                  <a:srgbClr val="FCAFAF"/>
+                </a:solidFill>
+              </a:rPr>
+              <a:t>Tkinter</a:t>
+            </a:r>
+            <a:r>
+              <a:rPr lang="en-US" altLang="ko-KR" sz="2400" b="1" dirty="0" smtClean="0">
+                <a:solidFill>
+                  <a:srgbClr val="FCAFAF"/>
+                </a:solidFill>
+              </a:rPr>
+              <a:t> GUI</a:t>
+            </a:r>
+            <a:endParaRPr lang="en-US" altLang="ko-KR" sz="2400" b="1" dirty="0">
+              <a:solidFill>
+                <a:srgbClr val="FCAFAF"/>
+              </a:solidFill>
+            </a:endParaRPr>
+          </a:p>
         </p:txBody>
       </p:sp>
       <p:pic>
@@ -5139,7 +5235,7 @@
           <p:cNvPr id="6" name="그림 5" descr="벡터그래픽이(가) 표시된 사진&#10;&#10;자동 생성된 설명">
             <a:extLst>
               <a:ext uri="{FF2B5EF4-FFF2-40B4-BE49-F238E27FC236}">
-                <a16:creationId xmlns:a16="http://schemas.microsoft.com/office/drawing/2014/main" xmlns="" id="{15ABF95D-CD5E-411F-90B6-DB1A3029DE6A}"/>
+                <a16:creationId xmlns="" xmlns:a16="http://schemas.microsoft.com/office/drawing/2014/main" id="{15ABF95D-CD5E-411F-90B6-DB1A3029DE6A}"/>
               </a:ext>
             </a:extLst>
           </p:cNvPr>
@@ -5180,11 +5276,11 @@
   <p:clrMapOvr>
     <a:masterClrMapping/>
   </p:clrMapOvr>
-  <mc:AlternateContent xmlns:mc="http://schemas.openxmlformats.org/markup-compatibility/2006">
-    <mc:Choice xmlns:p14="http://schemas.microsoft.com/office/powerpoint/2010/main" Requires="p14">
+  <mc:AlternateContent xmlns:mc="http://schemas.openxmlformats.org/markup-compatibility/2006" xmlns:p14="http://schemas.microsoft.com/office/powerpoint/2010/main">
+    <mc:Choice Requires="p14">
       <p:transition spd="slow" p14:dur="2000" advTm="17879"/>
     </mc:Choice>
-    <mc:Fallback>
+    <mc:Fallback xmlns="">
       <p:transition spd="slow" advTm="17879"/>
     </mc:Fallback>
   </mc:AlternateContent>
@@ -5220,7 +5316,7 @@
           <p:cNvPr id="11" name="TextBox 10">
             <a:extLst>
               <a:ext uri="{FF2B5EF4-FFF2-40B4-BE49-F238E27FC236}">
-                <a16:creationId xmlns:a16="http://schemas.microsoft.com/office/drawing/2014/main" xmlns="" id="{04A96EBE-4D24-4958-9EE6-48EFD4E27A96}"/>
+                <a16:creationId xmlns="" xmlns:a16="http://schemas.microsoft.com/office/drawing/2014/main" id="{04A96EBE-4D24-4958-9EE6-48EFD4E27A96}"/>
               </a:ext>
             </a:extLst>
           </p:cNvPr>
@@ -5264,7 +5360,7 @@
           <p:cNvPr id="12" name="직사각형 11">
             <a:extLst>
               <a:ext uri="{FF2B5EF4-FFF2-40B4-BE49-F238E27FC236}">
-                <a16:creationId xmlns:a16="http://schemas.microsoft.com/office/drawing/2014/main" xmlns="" id="{1BEA1184-1C54-4C4D-820F-C219C9AD973E}"/>
+                <a16:creationId xmlns="" xmlns:a16="http://schemas.microsoft.com/office/drawing/2014/main" id="{1BEA1184-1C54-4C4D-820F-C219C9AD973E}"/>
               </a:ext>
             </a:extLst>
           </p:cNvPr>
@@ -5316,7 +5412,7 @@
           <p:cNvPr id="6" name="그림 5" descr="벡터그래픽이(가) 표시된 사진&#10;&#10;자동 생성된 설명">
             <a:extLst>
               <a:ext uri="{FF2B5EF4-FFF2-40B4-BE49-F238E27FC236}">
-                <a16:creationId xmlns:a16="http://schemas.microsoft.com/office/drawing/2014/main" xmlns="" id="{15ABF95D-CD5E-411F-90B6-DB1A3029DE6A}"/>
+                <a16:creationId xmlns="" xmlns:a16="http://schemas.microsoft.com/office/drawing/2014/main" id="{15ABF95D-CD5E-411F-90B6-DB1A3029DE6A}"/>
               </a:ext>
             </a:extLst>
           </p:cNvPr>
@@ -5347,60 +5443,6 @@
           </a:prstGeom>
         </p:spPr>
       </p:pic>
-      <p:pic>
-        <p:nvPicPr>
-          <p:cNvPr id="2050" name="Picture 2"/>
-          <p:cNvPicPr>
-            <a:picLocks noChangeAspect="1" noChangeArrowheads="1"/>
-          </p:cNvPicPr>
-          <p:nvPr/>
-        </p:nvPicPr>
-        <p:blipFill>
-          <a:blip r:embed="rId3">
-            <a:extLst>
-              <a:ext uri="{28A0092B-C50C-407E-A947-70E740481C1C}">
-                <a14:useLocalDpi xmlns:a14="http://schemas.microsoft.com/office/drawing/2010/main" val="0"/>
-              </a:ext>
-            </a:extLst>
-          </a:blip>
-          <a:srcRect/>
-          <a:stretch>
-            <a:fillRect/>
-          </a:stretch>
-        </p:blipFill>
-        <p:spPr bwMode="auto">
-          <a:xfrm>
-            <a:off x="1892300" y="765175"/>
-            <a:ext cx="8407400" cy="5327650"/>
-          </a:xfrm>
-          <a:prstGeom prst="rect">
-            <a:avLst/>
-          </a:prstGeom>
-          <a:noFill/>
-          <a:ln>
-            <a:noFill/>
-          </a:ln>
-          <a:extLst>
-            <a:ext uri="{909E8E84-426E-40DD-AFC4-6F175D3DCCD1}">
-              <a14:hiddenFill xmlns:a14="http://schemas.microsoft.com/office/drawing/2010/main">
-                <a:solidFill>
-                  <a:schemeClr val="accent1"/>
-                </a:solidFill>
-              </a14:hiddenFill>
-            </a:ext>
-            <a:ext uri="{91240B29-F687-4F45-9708-019B960494DF}">
-              <a14:hiddenLine xmlns:a14="http://schemas.microsoft.com/office/drawing/2010/main" w="9525">
-                <a:solidFill>
-                  <a:schemeClr val="tx1"/>
-                </a:solidFill>
-                <a:miter lim="800000"/>
-                <a:headEnd/>
-                <a:tailEnd/>
-              </a14:hiddenLine>
-            </a:ext>
-          </a:extLst>
-        </p:spPr>
-      </p:pic>
     </p:spTree>
     <p:extLst>
       <p:ext uri="{BB962C8B-B14F-4D97-AF65-F5344CB8AC3E}">
@@ -5411,11 +5453,11 @@
   <p:clrMapOvr>
     <a:masterClrMapping/>
   </p:clrMapOvr>
-  <mc:AlternateContent xmlns:mc="http://schemas.openxmlformats.org/markup-compatibility/2006">
-    <mc:Choice xmlns:p14="http://schemas.microsoft.com/office/powerpoint/2010/main" Requires="p14">
+  <mc:AlternateContent xmlns:mc="http://schemas.openxmlformats.org/markup-compatibility/2006" xmlns:p14="http://schemas.microsoft.com/office/powerpoint/2010/main">
+    <mc:Choice Requires="p14">
       <p:transition spd="slow" p14:dur="2000" advTm="33502"/>
     </mc:Choice>
-    <mc:Fallback>
+    <mc:Fallback xmlns="">
       <p:transition spd="slow" advTm="33502"/>
     </mc:Fallback>
   </mc:AlternateContent>
@@ -5451,7 +5493,7 @@
           <p:cNvPr id="11" name="TextBox 10">
             <a:extLst>
               <a:ext uri="{FF2B5EF4-FFF2-40B4-BE49-F238E27FC236}">
-                <a16:creationId xmlns:a16="http://schemas.microsoft.com/office/drawing/2014/main" xmlns="" id="{04A96EBE-4D24-4958-9EE6-48EFD4E27A96}"/>
+                <a16:creationId xmlns="" xmlns:a16="http://schemas.microsoft.com/office/drawing/2014/main" id="{04A96EBE-4D24-4958-9EE6-48EFD4E27A96}"/>
               </a:ext>
             </a:extLst>
           </p:cNvPr>
@@ -5490,7 +5532,7 @@
           <p:cNvPr id="12" name="직사각형 11">
             <a:extLst>
               <a:ext uri="{FF2B5EF4-FFF2-40B4-BE49-F238E27FC236}">
-                <a16:creationId xmlns:a16="http://schemas.microsoft.com/office/drawing/2014/main" xmlns="" id="{1BEA1184-1C54-4C4D-820F-C219C9AD973E}"/>
+                <a16:creationId xmlns="" xmlns:a16="http://schemas.microsoft.com/office/drawing/2014/main" id="{1BEA1184-1C54-4C4D-820F-C219C9AD973E}"/>
               </a:ext>
             </a:extLst>
           </p:cNvPr>
@@ -5542,7 +5584,7 @@
           <p:cNvPr id="2" name="표 1">
             <a:extLst>
               <a:ext uri="{FF2B5EF4-FFF2-40B4-BE49-F238E27FC236}">
-                <a16:creationId xmlns:a16="http://schemas.microsoft.com/office/drawing/2014/main" xmlns="" id="{46C79DAF-C5F4-49AD-8FDB-5FA3C9DEC630}"/>
+                <a16:creationId xmlns="" xmlns:a16="http://schemas.microsoft.com/office/drawing/2014/main" id="{46C79DAF-C5F4-49AD-8FDB-5FA3C9DEC630}"/>
               </a:ext>
             </a:extLst>
           </p:cNvPr>
@@ -5552,7 +5594,7 @@
           <p:nvPr>
             <p:extLst>
               <p:ext uri="{D42A27DB-BD31-4B8C-83A1-F6EECF244321}">
-                <p14:modId xmlns:p14="http://schemas.microsoft.com/office/powerpoint/2010/main" val="3372051757"/>
+                <p14:modId xmlns:p14="http://schemas.microsoft.com/office/powerpoint/2010/main" val="1450947219"/>
               </p:ext>
             </p:extLst>
           </p:nvPr>
@@ -5571,14 +5613,14 @@
                 <a:gridCol w="1838960">
                   <a:extLst>
                     <a:ext uri="{9D8B030D-6E8A-4147-A177-3AD203B41FA5}">
-                      <a16:colId xmlns:a16="http://schemas.microsoft.com/office/drawing/2014/main" xmlns="" val="3574379884"/>
+                      <a16:colId xmlns="" xmlns:a16="http://schemas.microsoft.com/office/drawing/2014/main" val="3574379884"/>
                     </a:ext>
                   </a:extLst>
                 </a:gridCol>
                 <a:gridCol w="6583680">
                   <a:extLst>
                     <a:ext uri="{9D8B030D-6E8A-4147-A177-3AD203B41FA5}">
-                      <a16:colId xmlns:a16="http://schemas.microsoft.com/office/drawing/2014/main" xmlns="" val="1391193513"/>
+                      <a16:colId xmlns="" xmlns:a16="http://schemas.microsoft.com/office/drawing/2014/main" val="1391193513"/>
                     </a:ext>
                   </a:extLst>
                 </a:gridCol>
@@ -5809,7 +5851,7 @@
                 </a:tc>
                 <a:extLst>
                   <a:ext uri="{0D108BD9-81ED-4DB2-BD59-A6C34878D82A}">
-                    <a16:rowId xmlns:a16="http://schemas.microsoft.com/office/drawing/2014/main" xmlns="" val="2010022237"/>
+                    <a16:rowId xmlns="" xmlns:a16="http://schemas.microsoft.com/office/drawing/2014/main" val="2010022237"/>
                   </a:ext>
                 </a:extLst>
               </a:tr>
@@ -6052,7 +6094,7 @@
                 </a:tc>
                 <a:extLst>
                   <a:ext uri="{0D108BD9-81ED-4DB2-BD59-A6C34878D82A}">
-                    <a16:rowId xmlns:a16="http://schemas.microsoft.com/office/drawing/2014/main" xmlns="" val="45447853"/>
+                    <a16:rowId xmlns="" xmlns:a16="http://schemas.microsoft.com/office/drawing/2014/main" val="45447853"/>
                   </a:ext>
                 </a:extLst>
               </a:tr>
@@ -6287,7 +6329,7 @@
                 </a:tc>
                 <a:extLst>
                   <a:ext uri="{0D108BD9-81ED-4DB2-BD59-A6C34878D82A}">
-                    <a16:rowId xmlns:a16="http://schemas.microsoft.com/office/drawing/2014/main" xmlns="" val="2940476486"/>
+                    <a16:rowId xmlns="" xmlns:a16="http://schemas.microsoft.com/office/drawing/2014/main" val="2940476486"/>
                   </a:ext>
                 </a:extLst>
               </a:tr>
@@ -6480,6 +6522,14 @@
                           <a:spcPct val="100000"/>
                         </a:lnSpc>
                       </a:pPr>
+                      <a:r>
+                        <a:rPr lang="en-US" altLang="ko-KR" b="1" dirty="0" smtClean="0">
+                          <a:solidFill>
+                            <a:srgbClr val="FCAFAF"/>
+                          </a:solidFill>
+                        </a:rPr>
+                        <a:t>50%</a:t>
+                      </a:r>
                       <a:endParaRPr lang="ko-KR" altLang="en-US" b="1" dirty="0">
                         <a:solidFill>
                           <a:srgbClr val="FCAFAF"/>
@@ -6529,7 +6579,7 @@
                 </a:tc>
                 <a:extLst>
                   <a:ext uri="{0D108BD9-81ED-4DB2-BD59-A6C34878D82A}">
-                    <a16:rowId xmlns:a16="http://schemas.microsoft.com/office/drawing/2014/main" xmlns="" val="2002877974"/>
+                    <a16:rowId xmlns="" xmlns:a16="http://schemas.microsoft.com/office/drawing/2014/main" val="2002877974"/>
                   </a:ext>
                 </a:extLst>
               </a:tr>
@@ -6728,6 +6778,14 @@
                           <a:spcPct val="150000"/>
                         </a:lnSpc>
                       </a:pPr>
+                      <a:r>
+                        <a:rPr lang="en-US" altLang="ko-KR" b="1" dirty="0" smtClean="0">
+                          <a:solidFill>
+                            <a:srgbClr val="FCAFAF"/>
+                          </a:solidFill>
+                        </a:rPr>
+                        <a:t>30%</a:t>
+                      </a:r>
                       <a:endParaRPr lang="ko-KR" altLang="en-US" b="1" dirty="0">
                         <a:solidFill>
                           <a:srgbClr val="FCAFAF"/>
@@ -6777,7 +6835,7 @@
                 </a:tc>
                 <a:extLst>
                   <a:ext uri="{0D108BD9-81ED-4DB2-BD59-A6C34878D82A}">
-                    <a16:rowId xmlns:a16="http://schemas.microsoft.com/office/drawing/2014/main" xmlns="" val="733359000"/>
+                    <a16:rowId xmlns="" xmlns:a16="http://schemas.microsoft.com/office/drawing/2014/main" val="733359000"/>
                   </a:ext>
                 </a:extLst>
               </a:tr>
@@ -7020,7 +7078,7 @@
                 </a:tc>
                 <a:extLst>
                   <a:ext uri="{0D108BD9-81ED-4DB2-BD59-A6C34878D82A}">
-                    <a16:rowId xmlns:a16="http://schemas.microsoft.com/office/drawing/2014/main" xmlns="" val="2091604743"/>
+                    <a16:rowId xmlns="" xmlns:a16="http://schemas.microsoft.com/office/drawing/2014/main" val="2091604743"/>
                   </a:ext>
                 </a:extLst>
               </a:tr>
@@ -7220,7 +7278,7 @@
                 </a:tc>
                 <a:extLst>
                   <a:ext uri="{0D108BD9-81ED-4DB2-BD59-A6C34878D82A}">
-                    <a16:rowId xmlns:a16="http://schemas.microsoft.com/office/drawing/2014/main" xmlns="" val="1819012066"/>
+                    <a16:rowId xmlns="" xmlns:a16="http://schemas.microsoft.com/office/drawing/2014/main" val="1819012066"/>
                   </a:ext>
                 </a:extLst>
               </a:tr>
@@ -7233,7 +7291,7 @@
           <p:cNvPr id="6" name="그림 5" descr="벡터그래픽이(가) 표시된 사진&#10;&#10;자동 생성된 설명">
             <a:extLst>
               <a:ext uri="{FF2B5EF4-FFF2-40B4-BE49-F238E27FC236}">
-                <a16:creationId xmlns:a16="http://schemas.microsoft.com/office/drawing/2014/main" xmlns="" id="{C0386CD6-1EC5-4841-A639-16C9B0DF2D00}"/>
+                <a16:creationId xmlns="" xmlns:a16="http://schemas.microsoft.com/office/drawing/2014/main" id="{C0386CD6-1EC5-4841-A639-16C9B0DF2D00}"/>
               </a:ext>
             </a:extLst>
           </p:cNvPr>
@@ -7274,11 +7332,11 @@
   <p:clrMapOvr>
     <a:masterClrMapping/>
   </p:clrMapOvr>
-  <mc:AlternateContent xmlns:mc="http://schemas.openxmlformats.org/markup-compatibility/2006">
-    <mc:Choice xmlns:p14="http://schemas.microsoft.com/office/powerpoint/2010/main" Requires="p14">
+  <mc:AlternateContent xmlns:mc="http://schemas.openxmlformats.org/markup-compatibility/2006" xmlns:p14="http://schemas.microsoft.com/office/powerpoint/2010/main">
+    <mc:Choice Requires="p14">
       <p:transition spd="slow" p14:dur="2000" advTm="12542"/>
     </mc:Choice>
-    <mc:Fallback>
+    <mc:Fallback xmlns="">
       <p:transition spd="slow" advTm="12542"/>
     </mc:Fallback>
   </mc:AlternateContent>
@@ -7314,7 +7372,7 @@
           <p:cNvPr id="11" name="TextBox 10">
             <a:extLst>
               <a:ext uri="{FF2B5EF4-FFF2-40B4-BE49-F238E27FC236}">
-                <a16:creationId xmlns:a16="http://schemas.microsoft.com/office/drawing/2014/main" xmlns="" id="{04A96EBE-4D24-4958-9EE6-48EFD4E27A96}"/>
+                <a16:creationId xmlns="" xmlns:a16="http://schemas.microsoft.com/office/drawing/2014/main" id="{04A96EBE-4D24-4958-9EE6-48EFD4E27A96}"/>
               </a:ext>
             </a:extLst>
           </p:cNvPr>
@@ -7353,11 +7411,6 @@
               </a:rPr>
               <a:t>임</a:t>
             </a:r>
-            <a:endParaRPr lang="ko-KR" altLang="en-US" sz="1600" b="1" dirty="0">
-              <a:solidFill>
-                <a:srgbClr val="FCAFAF"/>
-              </a:solidFill>
-            </a:endParaRPr>
           </a:p>
         </p:txBody>
       </p:sp>
@@ -7366,7 +7419,7 @@
           <p:cNvPr id="12" name="직사각형 11">
             <a:extLst>
               <a:ext uri="{FF2B5EF4-FFF2-40B4-BE49-F238E27FC236}">
-                <a16:creationId xmlns:a16="http://schemas.microsoft.com/office/drawing/2014/main" xmlns="" id="{1BEA1184-1C54-4C4D-820F-C219C9AD973E}"/>
+                <a16:creationId xmlns="" xmlns:a16="http://schemas.microsoft.com/office/drawing/2014/main" id="{1BEA1184-1C54-4C4D-820F-C219C9AD973E}"/>
               </a:ext>
             </a:extLst>
           </p:cNvPr>
@@ -7418,7 +7471,7 @@
           <p:cNvPr id="5" name="그림 4" descr="벡터그래픽이(가) 표시된 사진&#10;&#10;자동 생성된 설명">
             <a:extLst>
               <a:ext uri="{FF2B5EF4-FFF2-40B4-BE49-F238E27FC236}">
-                <a16:creationId xmlns:a16="http://schemas.microsoft.com/office/drawing/2014/main" xmlns="" id="{D5A562C5-1B85-4733-AA08-A7FB75FC1F11}"/>
+                <a16:creationId xmlns="" xmlns:a16="http://schemas.microsoft.com/office/drawing/2014/main" id="{D5A562C5-1B85-4733-AA08-A7FB75FC1F11}"/>
               </a:ext>
             </a:extLst>
           </p:cNvPr>
@@ -7459,11 +7512,11 @@
   <p:clrMapOvr>
     <a:masterClrMapping/>
   </p:clrMapOvr>
-  <mc:AlternateContent xmlns:mc="http://schemas.openxmlformats.org/markup-compatibility/2006">
-    <mc:Choice xmlns:p14="http://schemas.microsoft.com/office/powerpoint/2010/main" Requires="p14">
+  <mc:AlternateContent xmlns:mc="http://schemas.openxmlformats.org/markup-compatibility/2006" xmlns:p14="http://schemas.microsoft.com/office/powerpoint/2010/main">
+    <mc:Choice Requires="p14">
       <p:transition spd="slow" p14:dur="2000" advTm="4596"/>
     </mc:Choice>
-    <mc:Fallback>
+    <mc:Fallback xmlns="">
       <p:transition spd="slow" advTm="4596"/>
     </mc:Fallback>
   </mc:AlternateContent>
@@ -7766,7 +7819,7 @@
   <a:extraClrSchemeLst/>
   <a:extLst>
     <a:ext uri="{05A4C25C-085E-4340-85A3-A5531E510DB2}">
-      <thm15:themeFamily xmlns:thm15="http://schemas.microsoft.com/office/thememl/2012/main" xmlns="" name="Office Theme" id="{62F939B6-93AF-4DB8-9C6B-D6C7DFDC589F}" vid="{4A3C46E8-61CC-4603-A589-7422A47A8E4A}"/>
+      <thm15:themeFamily xmlns="" xmlns:thm15="http://schemas.microsoft.com/office/thememl/2012/main" name="Office Theme" id="{62F939B6-93AF-4DB8-9C6B-D6C7DFDC589F}" vid="{4A3C46E8-61CC-4603-A589-7422A47A8E4A}"/>
     </a:ext>
   </a:extLst>
 </a:theme>
@@ -8061,7 +8114,7 @@
   <a:extraClrSchemeLst/>
   <a:extLst>
     <a:ext uri="{05A4C25C-085E-4340-85A3-A5531E510DB2}">
-      <thm15:themeFamily xmlns:thm15="http://schemas.microsoft.com/office/thememl/2012/main" xmlns="" name="Office Theme" id="{62F939B6-93AF-4DB8-9C6B-D6C7DFDC589F}" vid="{4A3C46E8-61CC-4603-A589-7422A47A8E4A}"/>
+      <thm15:themeFamily xmlns="" xmlns:thm15="http://schemas.microsoft.com/office/thememl/2012/main" name="Office Theme" id="{62F939B6-93AF-4DB8-9C6B-D6C7DFDC589F}" vid="{4A3C46E8-61CC-4603-A589-7422A47A8E4A}"/>
     </a:ext>
   </a:extLst>
 </a:theme>
